--- a/05_revue_de_projet/revue_01/01_manon_morille/SFL1_revue1_manon.pptx
+++ b/05_revue_de_projet/revue_01/01_manon_morille/SFL1_revue1_manon.pptx
@@ -6543,13 +6543,13 @@
         </p:nvSpPr>
         <p:spPr>
           <a:xfrm>
-            <a:off x="982841" y="1697731"/>
-            <a:ext cx="9905998" cy="4135355"/>
+            <a:off x="982841" y="1781022"/>
+            <a:ext cx="9905998" cy="4529801"/>
           </a:xfrm>
         </p:spPr>
         <p:txBody>
           <a:bodyPr>
-            <a:normAutofit fontScale="85000" lnSpcReduction="20000"/>
+            <a:noAutofit/>
           </a:bodyPr>
           <a:lstStyle/>
           <a:p>
@@ -6563,84 +6563,96 @@
           <a:p>
             <a:pPr lvl="0"/>
             <a:r>
-              <a:rPr lang="en-US" sz="2800" dirty="0">
+              <a:rPr lang="en-US" sz="1800" dirty="0">
                 <a:effectLst/>
               </a:rPr>
               <a:t>Simplifier la mise en </a:t>
             </a:r>
             <a:r>
-              <a:rPr lang="fr-FR" sz="2800" dirty="0">
+              <a:rPr lang="fr-FR" sz="1800" dirty="0">
                 <a:effectLst/>
               </a:rPr>
               <a:t>œuvre</a:t>
             </a:r>
             <a:r>
-              <a:rPr lang="en-US" sz="2800" dirty="0">
+              <a:rPr lang="en-US" sz="1800" dirty="0">
                 <a:effectLst/>
               </a:rPr>
               <a:t> du banc par la création d'un logiciel de commande et de supervision</a:t>
             </a:r>
-            <a:endParaRPr lang="fr-FR" sz="2800" dirty="0">
+          </a:p>
+          <a:p>
+            <a:pPr lvl="0"/>
+            <a:endParaRPr lang="fr-FR" sz="1800" dirty="0">
               <a:effectLst/>
             </a:endParaRPr>
           </a:p>
           <a:p>
             <a:pPr lvl="0"/>
             <a:r>
-              <a:rPr lang="en-US" sz="2800" dirty="0">
+              <a:rPr lang="en-US" sz="1800" dirty="0">
                 <a:effectLst/>
               </a:rPr>
               <a:t>Rendre possible la </a:t>
             </a:r>
             <a:r>
-              <a:rPr lang="fr-FR" sz="2800" noProof="1">
+              <a:rPr lang="fr-FR" sz="1800" noProof="1">
                 <a:effectLst/>
               </a:rPr>
               <a:t>création</a:t>
             </a:r>
             <a:r>
-              <a:rPr lang="en-US" sz="2800" dirty="0">
+              <a:rPr lang="en-US" sz="1800" dirty="0">
                 <a:effectLst/>
               </a:rPr>
               <a:t> de séquences de test, et ainsi évaluer les différences de performances d'éoliennes selon des scénarios définis.</a:t>
             </a:r>
-            <a:endParaRPr lang="fr-FR" sz="2800" dirty="0">
+          </a:p>
+          <a:p>
+            <a:pPr lvl="0"/>
+            <a:endParaRPr lang="fr-FR" sz="1800" dirty="0">
               <a:effectLst/>
             </a:endParaRPr>
           </a:p>
           <a:p>
             <a:pPr lvl="0"/>
             <a:r>
-              <a:rPr lang="en-US" sz="2800" dirty="0">
+              <a:rPr lang="en-US" sz="1800" dirty="0">
                 <a:effectLst/>
               </a:rPr>
               <a:t>Stocker l'information (données de performances éoliennes), afin de consulter des données mesurées.</a:t>
             </a:r>
-            <a:endParaRPr lang="fr-FR" sz="2800" dirty="0">
+          </a:p>
+          <a:p>
+            <a:pPr lvl="0"/>
+            <a:endParaRPr lang="fr-FR" sz="1800" dirty="0">
               <a:effectLst/>
             </a:endParaRPr>
           </a:p>
           <a:p>
             <a:pPr lvl="0"/>
             <a:r>
-              <a:rPr lang="en-US" sz="2800" dirty="0">
+              <a:rPr lang="en-US" sz="1800" dirty="0">
                 <a:effectLst/>
               </a:rPr>
               <a:t>Simplifier la consultation des relevés (instantanés ou passés) via un appareil connecté au réseau local.</a:t>
             </a:r>
-            <a:endParaRPr lang="fr-FR" sz="2800" dirty="0">
+          </a:p>
+          <a:p>
+            <a:pPr lvl="0"/>
+            <a:endParaRPr lang="fr-FR" sz="1800" dirty="0">
               <a:effectLst/>
             </a:endParaRPr>
           </a:p>
           <a:p>
             <a:pPr lvl="0"/>
             <a:r>
-              <a:rPr lang="en-US" sz="2800" dirty="0">
+              <a:rPr lang="en-US" sz="1800" dirty="0">
                 <a:effectLst/>
               </a:rPr>
               <a:t>Sécuriser l'accès à la soufflerie.</a:t>
             </a:r>
-            <a:endParaRPr lang="fr-FR" sz="2800" dirty="0">
+            <a:endParaRPr lang="fr-FR" sz="1800" dirty="0">
               <a:effectLst/>
             </a:endParaRPr>
           </a:p>
@@ -8536,16 +8548,19 @@
         </p:nvSpPr>
         <p:spPr>
           <a:xfrm>
-            <a:off x="184043" y="659423"/>
-            <a:ext cx="4763833" cy="4270308"/>
+            <a:off x="81753" y="804656"/>
+            <a:ext cx="3960000" cy="5751619"/>
           </a:xfrm>
         </p:spPr>
         <p:txBody>
-          <a:bodyPr>
+          <a:bodyPr wrap="square" anchor="t" anchorCtr="0">
             <a:noAutofit/>
           </a:bodyPr>
           <a:lstStyle/>
           <a:p>
+            <a:pPr marL="0" indent="0" algn="ctr">
+              <a:buNone/>
+            </a:pPr>
             <a:r>
               <a:rPr lang="fr-FR" sz="3200" dirty="0"/>
               <a:t>Alan Carrer</a:t>
@@ -8568,86 +8583,63 @@
             <a:pPr marL="0" indent="0">
               <a:buNone/>
             </a:pPr>
-            <a:r>
-              <a:rPr lang="fr-FR" sz="1600" b="1" dirty="0"/>
-              <a:t>Interface :</a:t>
-            </a:r>
-          </a:p>
-          <a:p>
-            <a:pPr marL="0" indent="0">
-              <a:buNone/>
-            </a:pPr>
-            <a:r>
-              <a:rPr lang="fr-FR" sz="1400" dirty="0"/>
-              <a:t>création de scénarios </a:t>
-            </a:r>
-            <a:endParaRPr lang="fr-FR" sz="1400" dirty="0">
+            <a:endParaRPr lang="fr-FR" dirty="0">
               <a:solidFill>
                 <a:srgbClr val="7FC45C"/>
               </a:solidFill>
             </a:endParaRPr>
           </a:p>
           <a:p>
+            <a:pPr>
+              <a:buFontTx/>
+              <a:buChar char="-"/>
+            </a:pPr>
+            <a:r>
+              <a:rPr lang="fr-FR" dirty="0">
+                <a:solidFill>
+                  <a:schemeClr val="tx1"/>
+                </a:solidFill>
+              </a:rPr>
+              <a:t>Développement des interfaces de l’application</a:t>
+            </a:r>
+          </a:p>
+          <a:p>
+            <a:pPr>
+              <a:buFontTx/>
+              <a:buChar char="-"/>
+            </a:pPr>
+            <a:r>
+              <a:rPr lang="fr-FR" dirty="0">
+                <a:solidFill>
+                  <a:schemeClr val="tx1"/>
+                </a:solidFill>
+              </a:rPr>
+              <a:t>Puissance de la soufflerie</a:t>
+            </a:r>
+          </a:p>
+          <a:p>
+            <a:pPr>
+              <a:buFontTx/>
+              <a:buChar char="-"/>
+            </a:pPr>
+            <a:r>
+              <a:rPr lang="fr-FR" dirty="0">
+                <a:solidFill>
+                  <a:schemeClr val="tx1"/>
+                </a:solidFill>
+              </a:rPr>
+              <a:t>Choisir les scenarios</a:t>
+            </a:r>
+          </a:p>
+          <a:p>
             <a:pPr marL="0" indent="0">
               <a:buNone/>
             </a:pPr>
-            <a:r>
-              <a:rPr lang="fr-FR" sz="1400" dirty="0"/>
-              <a:t>exécution de tests</a:t>
-            </a:r>
-          </a:p>
-          <a:p>
-            <a:pPr marL="0" indent="0">
-              <a:buNone/>
-            </a:pPr>
-            <a:r>
-              <a:rPr lang="fr-FR" sz="1400" dirty="0"/>
-              <a:t>commande directe de la soufflerie</a:t>
-            </a:r>
-            <a:endParaRPr lang="fr-FR" sz="1400" dirty="0">
+            <a:endParaRPr lang="fr-FR" dirty="0">
               <a:solidFill>
                 <a:srgbClr val="7FC45C"/>
               </a:solidFill>
             </a:endParaRPr>
-          </a:p>
-          <a:p>
-            <a:pPr marL="0" indent="0">
-              <a:buNone/>
-            </a:pPr>
-            <a:r>
-              <a:rPr lang="fr-FR" sz="1600" b="1" dirty="0"/>
-              <a:t>Communication :</a:t>
-            </a:r>
-          </a:p>
-          <a:p>
-            <a:pPr marL="0" indent="0">
-              <a:buNone/>
-            </a:pPr>
-            <a:r>
-              <a:rPr lang="fr-FR" sz="1400" dirty="0"/>
-              <a:t> socket client TCP</a:t>
-            </a:r>
-          </a:p>
-          <a:p>
-            <a:pPr marL="0" indent="0">
-              <a:buNone/>
-            </a:pPr>
-            <a:r>
-              <a:rPr lang="fr-FR" sz="1400" dirty="0"/>
-              <a:t>la base de données MySQL </a:t>
-            </a:r>
-          </a:p>
-          <a:p>
-            <a:pPr marL="0" indent="0">
-              <a:buNone/>
-            </a:pPr>
-            <a:endParaRPr lang="fr-FR" sz="2400" dirty="0"/>
-          </a:p>
-          <a:p>
-            <a:pPr marL="0" indent="0">
-              <a:buNone/>
-            </a:pPr>
-            <a:endParaRPr lang="fr-FR" sz="2400" dirty="0"/>
           </a:p>
         </p:txBody>
       </p:sp>
@@ -8667,15 +8659,15 @@
         </p:nvSpPr>
         <p:spPr>
           <a:xfrm>
-            <a:off x="4329674" y="224204"/>
-            <a:ext cx="3532651" cy="7715251"/>
+            <a:off x="8150247" y="804656"/>
+            <a:ext cx="3960000" cy="6053344"/>
           </a:xfrm>
           <a:prstGeom prst="rect">
             <a:avLst/>
           </a:prstGeom>
         </p:spPr>
         <p:txBody>
-          <a:bodyPr vert="horz" lIns="91440" tIns="45720" rIns="91440" bIns="45720" rtlCol="0" anchor="ctr">
+          <a:bodyPr vert="horz" lIns="91440" tIns="45720" rIns="91440" bIns="45720" rtlCol="0" anchor="t" anchorCtr="0">
             <a:noAutofit/>
           </a:bodyPr>
           <a:lstStyle>
@@ -9104,13 +9096,16 @@
             </a:lvl9pPr>
           </a:lstStyle>
           <a:p>
+            <a:pPr marL="0" indent="0" algn="ctr">
+              <a:buNone/>
+            </a:pPr>
             <a:r>
               <a:rPr lang="fr-FR" sz="3200" dirty="0"/>
               <a:t>Arnaud Jullien</a:t>
             </a:r>
           </a:p>
           <a:p>
-            <a:pPr marL="0" indent="0">
+            <a:pPr marL="0" indent="0" algn="ctr">
               <a:buFont typeface="Arial"/>
               <a:buNone/>
             </a:pPr>
@@ -9125,133 +9120,24 @@
           </a:p>
           <a:p>
             <a:pPr marL="0" indent="0">
+              <a:buFont typeface="Arial"/>
               <a:buNone/>
             </a:pPr>
-            <a:r>
-              <a:rPr lang="fr-FR" sz="1600" b="1" dirty="0"/>
-              <a:t>Développement :</a:t>
-            </a:r>
-          </a:p>
-          <a:p>
-            <a:pPr marL="0" indent="0">
-              <a:buNone/>
-            </a:pPr>
-            <a:r>
-              <a:rPr lang="fr-FR" sz="1400" dirty="0"/>
-              <a:t>Commande de consigne 0-10V </a:t>
-            </a:r>
-          </a:p>
-          <a:p>
-            <a:pPr marL="0" indent="0">
-              <a:buNone/>
-            </a:pPr>
-            <a:r>
-              <a:rPr lang="fr-FR" sz="1400" dirty="0"/>
-              <a:t>Mesure de puissance instantanée éolienne </a:t>
-            </a:r>
-          </a:p>
-          <a:p>
-            <a:pPr marL="0" indent="0">
-              <a:buNone/>
-            </a:pPr>
-            <a:r>
-              <a:rPr lang="fr-FR" sz="1400" dirty="0"/>
-              <a:t>Acquisition force du vent  </a:t>
-            </a:r>
-          </a:p>
-          <a:p>
-            <a:pPr>
-              <a:buFont typeface="Arial" panose="020B0604020202020204" pitchFamily="34" charset="0"/>
-              <a:buChar char="•"/>
-            </a:pPr>
-            <a:r>
-              <a:rPr lang="fr-FR" sz="1400" dirty="0"/>
-              <a:t>acquisition de trames RS2322</a:t>
-            </a:r>
-          </a:p>
-          <a:p>
-            <a:pPr>
-              <a:buFont typeface="Arial" panose="020B0604020202020204" pitchFamily="34" charset="0"/>
-              <a:buChar char="•"/>
-            </a:pPr>
-            <a:r>
-              <a:rPr lang="fr-FR" sz="1400" dirty="0"/>
-              <a:t> décodage de la trame capteur</a:t>
-            </a:r>
-          </a:p>
-          <a:p>
-            <a:pPr marL="0" indent="0">
-              <a:buNone/>
-            </a:pPr>
-            <a:r>
-              <a:rPr lang="fr-FR" sz="1400" dirty="0"/>
-              <a:t>serveur socket TCP </a:t>
-            </a:r>
-          </a:p>
-          <a:p>
-            <a:pPr marL="0" indent="0">
-              <a:buNone/>
-            </a:pPr>
-            <a:r>
-              <a:rPr lang="fr-FR" sz="1400" dirty="0"/>
-              <a:t>Archivage en base de données des relevés </a:t>
-            </a:r>
-          </a:p>
-          <a:p>
-            <a:pPr marL="0" indent="0">
-              <a:buNone/>
-            </a:pPr>
-            <a:r>
-              <a:rPr lang="fr-FR" sz="1400" dirty="0"/>
-              <a:t>Communication avec la carte d'interface</a:t>
-            </a:r>
-          </a:p>
-          <a:p>
-            <a:pPr marL="0" indent="0">
-              <a:buNone/>
-            </a:pPr>
-            <a:endParaRPr lang="fr-FR" sz="1600" b="1" dirty="0"/>
-          </a:p>
-          <a:p>
-            <a:pPr marL="0" indent="0">
-              <a:buNone/>
-            </a:pPr>
-            <a:r>
-              <a:rPr lang="fr-FR" sz="1600" b="1" dirty="0"/>
-              <a:t>Création et implémentation </a:t>
-            </a:r>
-          </a:p>
-          <a:p>
-            <a:pPr marL="0" indent="0">
-              <a:buNone/>
-            </a:pPr>
-            <a:r>
-              <a:rPr lang="fr-FR" sz="1600" dirty="0"/>
-              <a:t>de la base de données Définition du modèle </a:t>
-            </a:r>
-          </a:p>
-          <a:p>
-            <a:pPr marL="0" indent="0">
-              <a:buNone/>
-            </a:pPr>
-            <a:r>
-              <a:rPr lang="fr-FR" sz="1600" dirty="0"/>
-              <a:t>Déploiement sur le serveur MySQL</a:t>
-            </a:r>
+            <a:endParaRPr lang="fr-FR" sz="2400" dirty="0"/>
           </a:p>
           <a:p>
             <a:pPr marL="0" indent="0">
               <a:buFont typeface="Arial"/>
               <a:buNone/>
             </a:pPr>
-            <a:endParaRPr lang="fr-FR" sz="2400" dirty="0"/>
-          </a:p>
-          <a:p>
-            <a:pPr marL="0" indent="0">
-              <a:buFont typeface="Arial"/>
-              <a:buNone/>
-            </a:pPr>
-            <a:endParaRPr lang="fr-FR" sz="2400" dirty="0"/>
+            <a:r>
+              <a:rPr lang="fr-FR" sz="2400" dirty="0"/>
+              <a:t>- </a:t>
+            </a:r>
+            <a:r>
+              <a:rPr lang="fr-FR" dirty="0"/>
+              <a:t>Crée des programme python pour récupérer les données des capteurs </a:t>
+            </a:r>
           </a:p>
         </p:txBody>
       </p:sp>
@@ -9271,15 +9157,15 @@
         </p:nvSpPr>
         <p:spPr>
           <a:xfrm>
-            <a:off x="8396331" y="224204"/>
-            <a:ext cx="3611625" cy="6761285"/>
+            <a:off x="4116000" y="826797"/>
+            <a:ext cx="3960000" cy="5328375"/>
           </a:xfrm>
           <a:prstGeom prst="rect">
             <a:avLst/>
           </a:prstGeom>
         </p:spPr>
         <p:txBody>
-          <a:bodyPr vert="horz" lIns="91440" tIns="45720" rIns="91440" bIns="45720" rtlCol="0" anchor="ctr">
+          <a:bodyPr vert="horz" lIns="91440" tIns="45720" rIns="91440" bIns="45720" rtlCol="0" anchor="t" anchorCtr="0">
             <a:noAutofit/>
           </a:bodyPr>
           <a:lstStyle>
@@ -9708,20 +9594,16 @@
             </a:lvl9pPr>
           </a:lstStyle>
           <a:p>
-            <a:pPr marL="0" indent="0">
-              <a:buFont typeface="Arial"/>
+            <a:pPr marL="0" indent="0" algn="ctr">
               <a:buNone/>
             </a:pPr>
-            <a:endParaRPr lang="fr-FR" sz="2400" dirty="0"/>
-          </a:p>
-          <a:p>
             <a:r>
               <a:rPr lang="fr-FR" sz="3200" dirty="0"/>
               <a:t>Killian Labattut</a:t>
             </a:r>
           </a:p>
           <a:p>
-            <a:pPr marL="0" indent="0">
+            <a:pPr marL="0" indent="0" algn="ctr">
               <a:buFont typeface="Arial"/>
               <a:buNone/>
             </a:pPr>
@@ -9736,106 +9618,42 @@
           </a:p>
           <a:p>
             <a:pPr marL="0" indent="0">
+              <a:buFont typeface="Arial"/>
               <a:buNone/>
             </a:pPr>
-            <a:r>
-              <a:rPr lang="fr-FR" b="1" dirty="0"/>
-              <a:t>Développement :</a:t>
-            </a:r>
-          </a:p>
-          <a:p>
-            <a:pPr marL="0" indent="0">
-              <a:buNone/>
-            </a:pPr>
-            <a:r>
-              <a:rPr lang="fr-FR" sz="1400" dirty="0"/>
-              <a:t>programme de sécurisation de la soufflerie </a:t>
-            </a:r>
-          </a:p>
-          <a:p>
-            <a:pPr marL="0" indent="0">
-              <a:buNone/>
-            </a:pPr>
-            <a:r>
-              <a:rPr lang="fr-FR" sz="1400" dirty="0"/>
-              <a:t>lecture de l'état des capteurs</a:t>
-            </a:r>
-          </a:p>
-          <a:p>
-            <a:pPr marL="0" indent="0">
-              <a:buNone/>
-            </a:pPr>
-            <a:r>
-              <a:rPr lang="fr-FR" sz="1400" dirty="0"/>
-              <a:t>interaction avec l'application embarquée de commande de la soufflerie</a:t>
-            </a:r>
-          </a:p>
-          <a:p>
-            <a:pPr marL="0" indent="0">
-              <a:buNone/>
-            </a:pPr>
-            <a:r>
-              <a:rPr lang="fr-FR" sz="1400" dirty="0"/>
-              <a:t>Archivage des alertes en base de données</a:t>
-            </a:r>
-          </a:p>
-          <a:p>
-            <a:pPr marL="0" indent="0">
-              <a:buNone/>
-            </a:pPr>
-            <a:r>
-              <a:rPr lang="fr-FR" sz="1400" dirty="0"/>
-              <a:t> </a:t>
-            </a:r>
-            <a:r>
-              <a:rPr lang="fr-FR" b="1" dirty="0"/>
-              <a:t>Développement logiciel </a:t>
-            </a:r>
-          </a:p>
-          <a:p>
-            <a:pPr marL="0" indent="0">
-              <a:buNone/>
-            </a:pPr>
-            <a:r>
-              <a:rPr lang="fr-FR" sz="1400" dirty="0"/>
-              <a:t>Développement de la page d'affichage des états capteurs </a:t>
-            </a:r>
-          </a:p>
-          <a:p>
-            <a:pPr marL="0" indent="0">
-              <a:buNone/>
-            </a:pPr>
-            <a:r>
-              <a:rPr lang="fr-FR" sz="1400" dirty="0"/>
-              <a:t>Participation au développement de l'interface principale pour l'affichage des alertes</a:t>
-            </a:r>
-          </a:p>
-          <a:p>
-            <a:pPr marL="0" indent="0">
-              <a:buNone/>
-            </a:pPr>
-            <a:r>
-              <a:rPr lang="fr-FR" sz="1400" dirty="0"/>
-              <a:t> </a:t>
-            </a:r>
-            <a:r>
-              <a:rPr lang="fr-FR" dirty="0"/>
-              <a:t>Développement Web </a:t>
-            </a:r>
-          </a:p>
-          <a:p>
-            <a:pPr marL="0" indent="0">
-              <a:buNone/>
-            </a:pPr>
-            <a:r>
-              <a:rPr lang="fr-FR" sz="1400" dirty="0"/>
-              <a:t>Création d'une page de consultation des alertes de sécurité</a:t>
-            </a:r>
-            <a:endParaRPr lang="fr-FR" sz="2400" dirty="0">
+            <a:endParaRPr lang="fr-FR" dirty="0">
               <a:solidFill>
                 <a:srgbClr val="7FC45C"/>
               </a:solidFill>
             </a:endParaRPr>
+          </a:p>
+          <a:p>
+            <a:pPr>
+              <a:buFontTx/>
+              <a:buChar char="-"/>
+            </a:pPr>
+            <a:r>
+              <a:rPr lang="fr-FR" dirty="0">
+                <a:solidFill>
+                  <a:schemeClr val="tx1"/>
+                </a:solidFill>
+              </a:rPr>
+              <a:t>Détecter l'état de la porte </a:t>
+            </a:r>
+          </a:p>
+          <a:p>
+            <a:pPr>
+              <a:buFontTx/>
+              <a:buChar char="-"/>
+            </a:pPr>
+            <a:r>
+              <a:rPr lang="fr-FR" dirty="0">
+                <a:solidFill>
+                  <a:schemeClr val="tx1"/>
+                </a:solidFill>
+              </a:rPr>
+              <a:t> Détecter la présence d'un individu dans la soufflerie </a:t>
+            </a:r>
           </a:p>
           <a:p>
             <a:pPr marL="0" indent="0">
@@ -10466,7 +10284,7 @@
         <p:spPr>
           <a:xfrm>
             <a:off x="533399" y="1915101"/>
-            <a:ext cx="10448925" cy="3416320"/>
+            <a:ext cx="10448925" cy="2308324"/>
           </a:xfrm>
           <a:prstGeom prst="rect">
             <a:avLst/>
@@ -10494,7 +10312,7 @@
             <a:pPr algn="just"/>
             <a:r>
               <a:rPr lang="fr-FR" dirty="0"/>
-              <a:t>Les étudiants pourront utiliser Bootstrap</a:t>
+              <a:t>Possibilité d’utiliser Bootstrap</a:t>
             </a:r>
           </a:p>
           <a:p>
@@ -10509,11 +10327,8 @@
           <a:p>
             <a:r>
               <a:rPr lang="fr-FR" dirty="0"/>
-              <a:t>Les pages Web et la base de données seront hébergées sur serveurs Apache/MySQL. L'équipe de projet devra envisager l'installation d'une machine Linux pour assurer ces fonctions. Pendant la phase de développement, ils pourront utiliser un serveur d'évaluation WampServer sous Windows.</a:t>
-            </a:r>
-          </a:p>
-          <a:p>
-            <a:endParaRPr lang="fr-FR" dirty="0"/>
+              <a:t>Les pages Web et la base de données seront hébergées sur serveurs Apache/MySQL. </a:t>
+            </a:r>
           </a:p>
         </p:txBody>
       </p:sp>
@@ -10654,7 +10469,7 @@
         </p:blipFill>
         <p:spPr bwMode="auto">
           <a:xfrm>
-            <a:off x="5069064" y="2592704"/>
+            <a:off x="4251379" y="2663042"/>
             <a:ext cx="866776" cy="693421"/>
           </a:xfrm>
           <a:prstGeom prst="rect">
@@ -10701,7 +10516,7 @@
         </p:blipFill>
         <p:spPr bwMode="auto">
           <a:xfrm>
-            <a:off x="5351619" y="4958356"/>
+            <a:off x="5578192" y="4380036"/>
             <a:ext cx="2273117" cy="1176338"/>
           </a:xfrm>
           <a:prstGeom prst="rect">
@@ -10747,7 +10562,7 @@
         </p:blipFill>
         <p:spPr>
           <a:xfrm>
-            <a:off x="3380169" y="5131423"/>
+            <a:off x="3455908" y="4615303"/>
             <a:ext cx="2122284" cy="1193785"/>
           </a:xfrm>
           <a:prstGeom prst="rect">
